--- a/ppts/[Session2] Text Preprocessing.pptx
+++ b/ppts/[Session2] Text Preprocessing.pptx
@@ -134,7 +134,7 @@
   </p:defaultTextStyle>
   <p:extLst>
     <p:ext uri="{EFAFB233-063F-42B5-8137-9DF3F51BA10A}">
-      <p15:sldGuideLst xmlns:p15="http://schemas.microsoft.com/office/powerpoint/2012/main" xmlns="">
+      <p15:sldGuideLst xmlns:p15="http://schemas.microsoft.com/office/powerpoint/2012/main">
         <p15:guide id="1" orient="horz" pos="2160">
           <p15:clr>
             <a:srgbClr val="A4A3A4"/>
@@ -233,7 +233,7 @@
           <a:p>
             <a:fld id="{7A6B77AA-7177-4D50-AB49-C260886B6169}" type="datetimeFigureOut">
               <a:rPr lang="ko-KR" altLang="en-US" smtClean="0"/>
-              <a:t>2017-07-16</a:t>
+              <a:t>2017-09-25</a:t>
             </a:fld>
             <a:endParaRPr lang="ko-KR" altLang="en-US"/>
           </a:p>
@@ -682,7 +682,7 @@
           <a:p>
             <a:fld id="{1179C0B5-9E42-4E82-BD73-9C37117B84AF}" type="datetimeFigureOut">
               <a:rPr lang="ko-KR" altLang="en-US" smtClean="0"/>
-              <a:t>2017-07-16</a:t>
+              <a:t>2017-09-25</a:t>
             </a:fld>
             <a:endParaRPr lang="ko-KR" altLang="en-US"/>
           </a:p>
@@ -852,7 +852,7 @@
           <a:p>
             <a:fld id="{1179C0B5-9E42-4E82-BD73-9C37117B84AF}" type="datetimeFigureOut">
               <a:rPr lang="ko-KR" altLang="en-US" smtClean="0"/>
-              <a:t>2017-07-16</a:t>
+              <a:t>2017-09-25</a:t>
             </a:fld>
             <a:endParaRPr lang="ko-KR" altLang="en-US"/>
           </a:p>
@@ -1032,7 +1032,7 @@
           <a:p>
             <a:fld id="{1179C0B5-9E42-4E82-BD73-9C37117B84AF}" type="datetimeFigureOut">
               <a:rPr lang="ko-KR" altLang="en-US" smtClean="0"/>
-              <a:t>2017-07-16</a:t>
+              <a:t>2017-09-25</a:t>
             </a:fld>
             <a:endParaRPr lang="ko-KR" altLang="en-US"/>
           </a:p>
@@ -1202,7 +1202,7 @@
           <a:p>
             <a:fld id="{1179C0B5-9E42-4E82-BD73-9C37117B84AF}" type="datetimeFigureOut">
               <a:rPr lang="ko-KR" altLang="en-US" smtClean="0"/>
-              <a:t>2017-07-16</a:t>
+              <a:t>2017-09-25</a:t>
             </a:fld>
             <a:endParaRPr lang="ko-KR" altLang="en-US"/>
           </a:p>
@@ -1448,7 +1448,7 @@
           <a:p>
             <a:fld id="{1179C0B5-9E42-4E82-BD73-9C37117B84AF}" type="datetimeFigureOut">
               <a:rPr lang="ko-KR" altLang="en-US" smtClean="0"/>
-              <a:t>2017-07-16</a:t>
+              <a:t>2017-09-25</a:t>
             </a:fld>
             <a:endParaRPr lang="ko-KR" altLang="en-US"/>
           </a:p>
@@ -1736,7 +1736,7 @@
           <a:p>
             <a:fld id="{1179C0B5-9E42-4E82-BD73-9C37117B84AF}" type="datetimeFigureOut">
               <a:rPr lang="ko-KR" altLang="en-US" smtClean="0"/>
-              <a:t>2017-07-16</a:t>
+              <a:t>2017-09-25</a:t>
             </a:fld>
             <a:endParaRPr lang="ko-KR" altLang="en-US"/>
           </a:p>
@@ -2158,7 +2158,7 @@
           <a:p>
             <a:fld id="{1179C0B5-9E42-4E82-BD73-9C37117B84AF}" type="datetimeFigureOut">
               <a:rPr lang="ko-KR" altLang="en-US" smtClean="0"/>
-              <a:t>2017-07-16</a:t>
+              <a:t>2017-09-25</a:t>
             </a:fld>
             <a:endParaRPr lang="ko-KR" altLang="en-US"/>
           </a:p>
@@ -2276,7 +2276,7 @@
           <a:p>
             <a:fld id="{1179C0B5-9E42-4E82-BD73-9C37117B84AF}" type="datetimeFigureOut">
               <a:rPr lang="ko-KR" altLang="en-US" smtClean="0"/>
-              <a:t>2017-07-16</a:t>
+              <a:t>2017-09-25</a:t>
             </a:fld>
             <a:endParaRPr lang="ko-KR" altLang="en-US"/>
           </a:p>
@@ -2371,7 +2371,7 @@
           <a:p>
             <a:fld id="{1179C0B5-9E42-4E82-BD73-9C37117B84AF}" type="datetimeFigureOut">
               <a:rPr lang="ko-KR" altLang="en-US" smtClean="0"/>
-              <a:t>2017-07-16</a:t>
+              <a:t>2017-09-25</a:t>
             </a:fld>
             <a:endParaRPr lang="ko-KR" altLang="en-US"/>
           </a:p>
@@ -2648,7 +2648,7 @@
           <a:p>
             <a:fld id="{1179C0B5-9E42-4E82-BD73-9C37117B84AF}" type="datetimeFigureOut">
               <a:rPr lang="ko-KR" altLang="en-US" smtClean="0"/>
-              <a:t>2017-07-16</a:t>
+              <a:t>2017-09-25</a:t>
             </a:fld>
             <a:endParaRPr lang="ko-KR" altLang="en-US"/>
           </a:p>
@@ -2901,7 +2901,7 @@
           <a:p>
             <a:fld id="{1179C0B5-9E42-4E82-BD73-9C37117B84AF}" type="datetimeFigureOut">
               <a:rPr lang="ko-KR" altLang="en-US" smtClean="0"/>
-              <a:t>2017-07-16</a:t>
+              <a:t>2017-09-25</a:t>
             </a:fld>
             <a:endParaRPr lang="ko-KR" altLang="en-US"/>
           </a:p>
@@ -3114,7 +3114,7 @@
           <a:p>
             <a:fld id="{1179C0B5-9E42-4E82-BD73-9C37117B84AF}" type="datetimeFigureOut">
               <a:rPr lang="ko-KR" altLang="en-US" smtClean="0"/>
-              <a:t>2017-07-16</a:t>
+              <a:t>2017-09-25</a:t>
             </a:fld>
             <a:endParaRPr lang="ko-KR" altLang="en-US"/>
           </a:p>
@@ -3813,76 +3813,6 @@
           </a:p>
         </p:txBody>
       </p:sp>
-      <p:sp>
-        <p:nvSpPr>
-          <p:cNvPr id="8" name="TextBox 7"/>
-          <p:cNvSpPr txBox="1"/>
-          <p:nvPr/>
-        </p:nvSpPr>
-        <p:spPr>
-          <a:xfrm>
-            <a:off x="854185" y="3510300"/>
-            <a:ext cx="1402948" cy="369332"/>
-          </a:xfrm>
-          <a:prstGeom prst="rect">
-            <a:avLst/>
-          </a:prstGeom>
-          <a:noFill/>
-        </p:spPr>
-        <p:txBody>
-          <a:bodyPr wrap="none" rtlCol="0">
-            <a:spAutoFit/>
-          </a:bodyPr>
-          <a:lstStyle/>
-          <a:p>
-            <a:r>
-              <a:rPr lang="ko-KR" altLang="en-US" dirty="0" smtClean="0">
-                <a:gradFill>
-                  <a:gsLst>
-                    <a:gs pos="0">
-                      <a:schemeClr val="tx1">
-                        <a:lumMod val="65000"/>
-                        <a:lumOff val="35000"/>
-                      </a:schemeClr>
-                    </a:gs>
-                    <a:gs pos="100000">
-                      <a:schemeClr val="tx1">
-                        <a:lumMod val="65000"/>
-                        <a:lumOff val="35000"/>
-                      </a:schemeClr>
-                    </a:gs>
-                  </a:gsLst>
-                  <a:lin ang="5400000" scaled="0"/>
-                </a:gradFill>
-                <a:latin typeface="Arial" pitchFamily="34" charset="0"/>
-                <a:cs typeface="Arial" pitchFamily="34" charset="0"/>
-              </a:rPr>
-              <a:t>박진수 교수</a:t>
-            </a:r>
-            <a:endParaRPr lang="ko-KR" altLang="en-US" dirty="0">
-              <a:gradFill>
-                <a:gsLst>
-                  <a:gs pos="0">
-                    <a:schemeClr val="tx1">
-                      <a:lumMod val="65000"/>
-                      <a:lumOff val="35000"/>
-                    </a:schemeClr>
-                  </a:gs>
-                  <a:gs pos="100000">
-                    <a:schemeClr val="tx1">
-                      <a:lumMod val="65000"/>
-                      <a:lumOff val="35000"/>
-                    </a:schemeClr>
-                  </a:gs>
-                </a:gsLst>
-                <a:lin ang="5400000" scaled="0"/>
-              </a:gradFill>
-              <a:latin typeface="Arial" pitchFamily="34" charset="0"/>
-              <a:cs typeface="Arial" pitchFamily="34" charset="0"/>
-            </a:endParaRPr>
-          </a:p>
-        </p:txBody>
-      </p:sp>
     </p:spTree>
     <p:extLst>
       <p:ext uri="{BB962C8B-B14F-4D97-AF65-F5344CB8AC3E}">
@@ -16160,25 +16090,7 @@
                 <a:latin typeface="Arial" pitchFamily="34" charset="0"/>
                 <a:cs typeface="Arial" pitchFamily="34" charset="0"/>
               </a:rPr>
-              <a:t>2-1-1</a:t>
-            </a:r>
-            <a:r>
-              <a:rPr lang="en-US" altLang="ko-KR" sz="2400" b="1" dirty="0" smtClean="0">
-                <a:gradFill>
-                  <a:gsLst>
-                    <a:gs pos="0">
-                      <a:srgbClr val="339966"/>
-                    </a:gs>
-                    <a:gs pos="100000">
-                      <a:srgbClr val="339966"/>
-                    </a:gs>
-                  </a:gsLst>
-                  <a:lin ang="5400000" scaled="0"/>
-                </a:gradFill>
-                <a:latin typeface="Arial" pitchFamily="34" charset="0"/>
-                <a:cs typeface="Arial" pitchFamily="34" charset="0"/>
-              </a:rPr>
-              <a:t>. </a:t>
+              <a:t>2-1-1. </a:t>
             </a:r>
             <a:r>
               <a:rPr lang="ko-KR" altLang="en-US" sz="2400" b="1" dirty="0" smtClean="0">
@@ -19742,9 +19654,27 @@
                 <a:tableStyleId>{C083E6E3-FA7D-4D7B-A595-EF9225AFEA82}</a:tableStyleId>
               </a:tblPr>
               <a:tblGrid>
-                <a:gridCol w="1498615"/>
-                <a:gridCol w="3757970"/>
-                <a:gridCol w="2952328"/>
+                <a:gridCol w="1498615">
+                  <a:extLst>
+                    <a:ext uri="{9D8B030D-6E8A-4147-A177-3AD203B41FA5}">
+                      <a16:colId xmlns:a16="http://schemas.microsoft.com/office/drawing/2014/main" val="20000"/>
+                    </a:ext>
+                  </a:extLst>
+                </a:gridCol>
+                <a:gridCol w="3757970">
+                  <a:extLst>
+                    <a:ext uri="{9D8B030D-6E8A-4147-A177-3AD203B41FA5}">
+                      <a16:colId xmlns:a16="http://schemas.microsoft.com/office/drawing/2014/main" val="20001"/>
+                    </a:ext>
+                  </a:extLst>
+                </a:gridCol>
+                <a:gridCol w="2952328">
+                  <a:extLst>
+                    <a:ext uri="{9D8B030D-6E8A-4147-A177-3AD203B41FA5}">
+                      <a16:colId xmlns:a16="http://schemas.microsoft.com/office/drawing/2014/main" val="20002"/>
+                    </a:ext>
+                  </a:extLst>
+                </a:gridCol>
               </a:tblGrid>
               <a:tr h="341579">
                 <a:tc>
@@ -19918,6 +19848,11 @@
                   </a:txBody>
                   <a:tcPr anchor="ctr"/>
                 </a:tc>
+                <a:extLst>
+                  <a:ext uri="{0D108BD9-81ED-4DB2-BD59-A6C34878D82A}">
+                    <a16:rowId xmlns:a16="http://schemas.microsoft.com/office/drawing/2014/main" val="10000"/>
+                  </a:ext>
+                </a:extLst>
               </a:tr>
               <a:tr h="317695">
                 <a:tc>
@@ -20091,6 +20026,11 @@
                   </a:txBody>
                   <a:tcPr anchor="ctr"/>
                 </a:tc>
+                <a:extLst>
+                  <a:ext uri="{0D108BD9-81ED-4DB2-BD59-A6C34878D82A}">
+                    <a16:rowId xmlns:a16="http://schemas.microsoft.com/office/drawing/2014/main" val="10001"/>
+                  </a:ext>
+                </a:extLst>
               </a:tr>
               <a:tr h="276092">
                 <a:tc>
@@ -20314,6 +20254,11 @@
                   </a:txBody>
                   <a:tcPr anchor="ctr"/>
                 </a:tc>
+                <a:extLst>
+                  <a:ext uri="{0D108BD9-81ED-4DB2-BD59-A6C34878D82A}">
+                    <a16:rowId xmlns:a16="http://schemas.microsoft.com/office/drawing/2014/main" val="10002"/>
+                  </a:ext>
+                </a:extLst>
               </a:tr>
               <a:tr h="276092">
                 <a:tc>
@@ -20487,6 +20432,11 @@
                   </a:txBody>
                   <a:tcPr anchor="ctr"/>
                 </a:tc>
+                <a:extLst>
+                  <a:ext uri="{0D108BD9-81ED-4DB2-BD59-A6C34878D82A}">
+                    <a16:rowId xmlns:a16="http://schemas.microsoft.com/office/drawing/2014/main" val="10003"/>
+                  </a:ext>
+                </a:extLst>
               </a:tr>
               <a:tr h="276092">
                 <a:tc>
@@ -20685,6 +20635,11 @@
                   </a:txBody>
                   <a:tcPr anchor="ctr"/>
                 </a:tc>
+                <a:extLst>
+                  <a:ext uri="{0D108BD9-81ED-4DB2-BD59-A6C34878D82A}">
+                    <a16:rowId xmlns:a16="http://schemas.microsoft.com/office/drawing/2014/main" val="10004"/>
+                  </a:ext>
+                </a:extLst>
               </a:tr>
               <a:tr h="276092">
                 <a:tc>
@@ -20883,6 +20838,11 @@
                   </a:txBody>
                   <a:tcPr anchor="ctr"/>
                 </a:tc>
+                <a:extLst>
+                  <a:ext uri="{0D108BD9-81ED-4DB2-BD59-A6C34878D82A}">
+                    <a16:rowId xmlns:a16="http://schemas.microsoft.com/office/drawing/2014/main" val="10005"/>
+                  </a:ext>
+                </a:extLst>
               </a:tr>
               <a:tr h="276092">
                 <a:tc>
@@ -21131,6 +21091,11 @@
                   </a:txBody>
                   <a:tcPr anchor="ctr"/>
                 </a:tc>
+                <a:extLst>
+                  <a:ext uri="{0D108BD9-81ED-4DB2-BD59-A6C34878D82A}">
+                    <a16:rowId xmlns:a16="http://schemas.microsoft.com/office/drawing/2014/main" val="10006"/>
+                  </a:ext>
+                </a:extLst>
               </a:tr>
               <a:tr h="276092">
                 <a:tc>
@@ -21304,6 +21269,11 @@
                   </a:txBody>
                   <a:tcPr anchor="ctr"/>
                 </a:tc>
+                <a:extLst>
+                  <a:ext uri="{0D108BD9-81ED-4DB2-BD59-A6C34878D82A}">
+                    <a16:rowId xmlns:a16="http://schemas.microsoft.com/office/drawing/2014/main" val="10007"/>
+                  </a:ext>
+                </a:extLst>
               </a:tr>
               <a:tr h="276092">
                 <a:tc>
@@ -21552,6 +21522,11 @@
                   </a:txBody>
                   <a:tcPr anchor="ctr"/>
                 </a:tc>
+                <a:extLst>
+                  <a:ext uri="{0D108BD9-81ED-4DB2-BD59-A6C34878D82A}">
+                    <a16:rowId xmlns:a16="http://schemas.microsoft.com/office/drawing/2014/main" val="10008"/>
+                  </a:ext>
+                </a:extLst>
               </a:tr>
               <a:tr h="276092">
                 <a:tc>
@@ -21825,6 +21800,11 @@
                   </a:txBody>
                   <a:tcPr anchor="ctr"/>
                 </a:tc>
+                <a:extLst>
+                  <a:ext uri="{0D108BD9-81ED-4DB2-BD59-A6C34878D82A}">
+                    <a16:rowId xmlns:a16="http://schemas.microsoft.com/office/drawing/2014/main" val="10009"/>
+                  </a:ext>
+                </a:extLst>
               </a:tr>
               <a:tr h="276092">
                 <a:tc>
@@ -22148,6 +22128,11 @@
                   </a:txBody>
                   <a:tcPr anchor="ctr"/>
                 </a:tc>
+                <a:extLst>
+                  <a:ext uri="{0D108BD9-81ED-4DB2-BD59-A6C34878D82A}">
+                    <a16:rowId xmlns:a16="http://schemas.microsoft.com/office/drawing/2014/main" val="10010"/>
+                  </a:ext>
+                </a:extLst>
               </a:tr>
               <a:tr h="276092">
                 <a:tc>
@@ -22321,6 +22306,11 @@
                   </a:txBody>
                   <a:tcPr anchor="ctr"/>
                 </a:tc>
+                <a:extLst>
+                  <a:ext uri="{0D108BD9-81ED-4DB2-BD59-A6C34878D82A}">
+                    <a16:rowId xmlns:a16="http://schemas.microsoft.com/office/drawing/2014/main" val="10011"/>
+                  </a:ext>
+                </a:extLst>
               </a:tr>
               <a:tr h="276092">
                 <a:tc>
@@ -22569,6 +22559,11 @@
                   </a:txBody>
                   <a:tcPr anchor="ctr"/>
                 </a:tc>
+                <a:extLst>
+                  <a:ext uri="{0D108BD9-81ED-4DB2-BD59-A6C34878D82A}">
+                    <a16:rowId xmlns:a16="http://schemas.microsoft.com/office/drawing/2014/main" val="10012"/>
+                  </a:ext>
+                </a:extLst>
               </a:tr>
               <a:tr h="276092">
                 <a:tc>
@@ -22817,6 +22812,11 @@
                   </a:txBody>
                   <a:tcPr anchor="ctr"/>
                 </a:tc>
+                <a:extLst>
+                  <a:ext uri="{0D108BD9-81ED-4DB2-BD59-A6C34878D82A}">
+                    <a16:rowId xmlns:a16="http://schemas.microsoft.com/office/drawing/2014/main" val="10013"/>
+                  </a:ext>
+                </a:extLst>
               </a:tr>
               <a:tr h="276092">
                 <a:tc>
@@ -23090,6 +23090,11 @@
                   </a:txBody>
                   <a:tcPr anchor="ctr"/>
                 </a:tc>
+                <a:extLst>
+                  <a:ext uri="{0D108BD9-81ED-4DB2-BD59-A6C34878D82A}">
+                    <a16:rowId xmlns:a16="http://schemas.microsoft.com/office/drawing/2014/main" val="10014"/>
+                  </a:ext>
+                </a:extLst>
               </a:tr>
               <a:tr h="276092">
                 <a:tc>
@@ -23363,6 +23368,11 @@
                   </a:txBody>
                   <a:tcPr anchor="ctr"/>
                 </a:tc>
+                <a:extLst>
+                  <a:ext uri="{0D108BD9-81ED-4DB2-BD59-A6C34878D82A}">
+                    <a16:rowId xmlns:a16="http://schemas.microsoft.com/office/drawing/2014/main" val="10015"/>
+                  </a:ext>
+                </a:extLst>
               </a:tr>
               <a:tr h="276092">
                 <a:tc>
@@ -23561,6 +23571,11 @@
                   </a:txBody>
                   <a:tcPr anchor="ctr"/>
                 </a:tc>
+                <a:extLst>
+                  <a:ext uri="{0D108BD9-81ED-4DB2-BD59-A6C34878D82A}">
+                    <a16:rowId xmlns:a16="http://schemas.microsoft.com/office/drawing/2014/main" val="10016"/>
+                  </a:ext>
+                </a:extLst>
               </a:tr>
               <a:tr h="276092">
                 <a:tc>
@@ -23809,6 +23824,11 @@
                   </a:txBody>
                   <a:tcPr anchor="ctr"/>
                 </a:tc>
+                <a:extLst>
+                  <a:ext uri="{0D108BD9-81ED-4DB2-BD59-A6C34878D82A}">
+                    <a16:rowId xmlns:a16="http://schemas.microsoft.com/office/drawing/2014/main" val="10017"/>
+                  </a:ext>
+                </a:extLst>
               </a:tr>
             </a:tbl>
           </a:graphicData>
@@ -24517,9 +24537,27 @@
                 <a:tableStyleId>{C083E6E3-FA7D-4D7B-A595-EF9225AFEA82}</a:tableStyleId>
               </a:tblPr>
               <a:tblGrid>
-                <a:gridCol w="1498615"/>
-                <a:gridCol w="3757970"/>
-                <a:gridCol w="2952328"/>
+                <a:gridCol w="1498615">
+                  <a:extLst>
+                    <a:ext uri="{9D8B030D-6E8A-4147-A177-3AD203B41FA5}">
+                      <a16:colId xmlns:a16="http://schemas.microsoft.com/office/drawing/2014/main" val="20000"/>
+                    </a:ext>
+                  </a:extLst>
+                </a:gridCol>
+                <a:gridCol w="3757970">
+                  <a:extLst>
+                    <a:ext uri="{9D8B030D-6E8A-4147-A177-3AD203B41FA5}">
+                      <a16:colId xmlns:a16="http://schemas.microsoft.com/office/drawing/2014/main" val="20001"/>
+                    </a:ext>
+                  </a:extLst>
+                </a:gridCol>
+                <a:gridCol w="2952328">
+                  <a:extLst>
+                    <a:ext uri="{9D8B030D-6E8A-4147-A177-3AD203B41FA5}">
+                      <a16:colId xmlns:a16="http://schemas.microsoft.com/office/drawing/2014/main" val="20002"/>
+                    </a:ext>
+                  </a:extLst>
+                </a:gridCol>
               </a:tblGrid>
               <a:tr h="341579">
                 <a:tc>
@@ -24693,6 +24731,11 @@
                   </a:txBody>
                   <a:tcPr anchor="ctr"/>
                 </a:tc>
+                <a:extLst>
+                  <a:ext uri="{0D108BD9-81ED-4DB2-BD59-A6C34878D82A}">
+                    <a16:rowId xmlns:a16="http://schemas.microsoft.com/office/drawing/2014/main" val="10000"/>
+                  </a:ext>
+                </a:extLst>
               </a:tr>
               <a:tr h="317695">
                 <a:tc>
@@ -24866,6 +24909,11 @@
                   </a:txBody>
                   <a:tcPr anchor="ctr"/>
                 </a:tc>
+                <a:extLst>
+                  <a:ext uri="{0D108BD9-81ED-4DB2-BD59-A6C34878D82A}">
+                    <a16:rowId xmlns:a16="http://schemas.microsoft.com/office/drawing/2014/main" val="10001"/>
+                  </a:ext>
+                </a:extLst>
               </a:tr>
               <a:tr h="276092">
                 <a:tc>
@@ -25064,6 +25112,11 @@
                   </a:txBody>
                   <a:tcPr anchor="ctr"/>
                 </a:tc>
+                <a:extLst>
+                  <a:ext uri="{0D108BD9-81ED-4DB2-BD59-A6C34878D82A}">
+                    <a16:rowId xmlns:a16="http://schemas.microsoft.com/office/drawing/2014/main" val="10002"/>
+                  </a:ext>
+                </a:extLst>
               </a:tr>
               <a:tr h="276092">
                 <a:tc>
@@ -25237,6 +25290,11 @@
                   </a:txBody>
                   <a:tcPr anchor="ctr"/>
                 </a:tc>
+                <a:extLst>
+                  <a:ext uri="{0D108BD9-81ED-4DB2-BD59-A6C34878D82A}">
+                    <a16:rowId xmlns:a16="http://schemas.microsoft.com/office/drawing/2014/main" val="10003"/>
+                  </a:ext>
+                </a:extLst>
               </a:tr>
               <a:tr h="276092">
                 <a:tc>
@@ -25485,6 +25543,11 @@
                   </a:txBody>
                   <a:tcPr anchor="ctr"/>
                 </a:tc>
+                <a:extLst>
+                  <a:ext uri="{0D108BD9-81ED-4DB2-BD59-A6C34878D82A}">
+                    <a16:rowId xmlns:a16="http://schemas.microsoft.com/office/drawing/2014/main" val="10004"/>
+                  </a:ext>
+                </a:extLst>
               </a:tr>
               <a:tr h="276092">
                 <a:tc>
@@ -25733,6 +25796,11 @@
                   </a:txBody>
                   <a:tcPr anchor="ctr"/>
                 </a:tc>
+                <a:extLst>
+                  <a:ext uri="{0D108BD9-81ED-4DB2-BD59-A6C34878D82A}">
+                    <a16:rowId xmlns:a16="http://schemas.microsoft.com/office/drawing/2014/main" val="10005"/>
+                  </a:ext>
+                </a:extLst>
               </a:tr>
               <a:tr h="276092">
                 <a:tc>
@@ -25906,6 +25974,11 @@
                   </a:txBody>
                   <a:tcPr anchor="ctr"/>
                 </a:tc>
+                <a:extLst>
+                  <a:ext uri="{0D108BD9-81ED-4DB2-BD59-A6C34878D82A}">
+                    <a16:rowId xmlns:a16="http://schemas.microsoft.com/office/drawing/2014/main" val="10006"/>
+                  </a:ext>
+                </a:extLst>
               </a:tr>
               <a:tr h="276092">
                 <a:tc>
@@ -26104,6 +26177,11 @@
                   </a:txBody>
                   <a:tcPr anchor="ctr"/>
                 </a:tc>
+                <a:extLst>
+                  <a:ext uri="{0D108BD9-81ED-4DB2-BD59-A6C34878D82A}">
+                    <a16:rowId xmlns:a16="http://schemas.microsoft.com/office/drawing/2014/main" val="10007"/>
+                  </a:ext>
+                </a:extLst>
               </a:tr>
               <a:tr h="276092">
                 <a:tc>
@@ -26277,6 +26355,11 @@
                   </a:txBody>
                   <a:tcPr anchor="ctr"/>
                 </a:tc>
+                <a:extLst>
+                  <a:ext uri="{0D108BD9-81ED-4DB2-BD59-A6C34878D82A}">
+                    <a16:rowId xmlns:a16="http://schemas.microsoft.com/office/drawing/2014/main" val="10008"/>
+                  </a:ext>
+                </a:extLst>
               </a:tr>
               <a:tr h="276092">
                 <a:tc>
@@ -26525,6 +26608,11 @@
                   </a:txBody>
                   <a:tcPr anchor="ctr"/>
                 </a:tc>
+                <a:extLst>
+                  <a:ext uri="{0D108BD9-81ED-4DB2-BD59-A6C34878D82A}">
+                    <a16:rowId xmlns:a16="http://schemas.microsoft.com/office/drawing/2014/main" val="10009"/>
+                  </a:ext>
+                </a:extLst>
               </a:tr>
               <a:tr h="276092">
                 <a:tc>
@@ -26773,6 +26861,11 @@
                   </a:txBody>
                   <a:tcPr anchor="ctr"/>
                 </a:tc>
+                <a:extLst>
+                  <a:ext uri="{0D108BD9-81ED-4DB2-BD59-A6C34878D82A}">
+                    <a16:rowId xmlns:a16="http://schemas.microsoft.com/office/drawing/2014/main" val="10010"/>
+                  </a:ext>
+                </a:extLst>
               </a:tr>
               <a:tr h="276092">
                 <a:tc>
@@ -27021,6 +27114,11 @@
                   </a:txBody>
                   <a:tcPr anchor="ctr"/>
                 </a:tc>
+                <a:extLst>
+                  <a:ext uri="{0D108BD9-81ED-4DB2-BD59-A6C34878D82A}">
+                    <a16:rowId xmlns:a16="http://schemas.microsoft.com/office/drawing/2014/main" val="10011"/>
+                  </a:ext>
+                </a:extLst>
               </a:tr>
               <a:tr h="276092">
                 <a:tc>
@@ -27294,6 +27392,11 @@
                   </a:txBody>
                   <a:tcPr anchor="ctr"/>
                 </a:tc>
+                <a:extLst>
+                  <a:ext uri="{0D108BD9-81ED-4DB2-BD59-A6C34878D82A}">
+                    <a16:rowId xmlns:a16="http://schemas.microsoft.com/office/drawing/2014/main" val="10012"/>
+                  </a:ext>
+                </a:extLst>
               </a:tr>
               <a:tr h="276092">
                 <a:tc>
@@ -27617,6 +27720,11 @@
                   </a:txBody>
                   <a:tcPr anchor="ctr"/>
                 </a:tc>
+                <a:extLst>
+                  <a:ext uri="{0D108BD9-81ED-4DB2-BD59-A6C34878D82A}">
+                    <a16:rowId xmlns:a16="http://schemas.microsoft.com/office/drawing/2014/main" val="10013"/>
+                  </a:ext>
+                </a:extLst>
               </a:tr>
               <a:tr h="276092">
                 <a:tc>
@@ -27840,6 +27948,11 @@
                   </a:txBody>
                   <a:tcPr anchor="ctr"/>
                 </a:tc>
+                <a:extLst>
+                  <a:ext uri="{0D108BD9-81ED-4DB2-BD59-A6C34878D82A}">
+                    <a16:rowId xmlns:a16="http://schemas.microsoft.com/office/drawing/2014/main" val="10014"/>
+                  </a:ext>
+                </a:extLst>
               </a:tr>
               <a:tr h="276092">
                 <a:tc>
@@ -28063,6 +28176,11 @@
                   </a:txBody>
                   <a:tcPr anchor="ctr"/>
                 </a:tc>
+                <a:extLst>
+                  <a:ext uri="{0D108BD9-81ED-4DB2-BD59-A6C34878D82A}">
+                    <a16:rowId xmlns:a16="http://schemas.microsoft.com/office/drawing/2014/main" val="10015"/>
+                  </a:ext>
+                </a:extLst>
               </a:tr>
               <a:tr h="276092">
                 <a:tc>
@@ -28286,6 +28404,11 @@
                   </a:txBody>
                   <a:tcPr anchor="ctr"/>
                 </a:tc>
+                <a:extLst>
+                  <a:ext uri="{0D108BD9-81ED-4DB2-BD59-A6C34878D82A}">
+                    <a16:rowId xmlns:a16="http://schemas.microsoft.com/office/drawing/2014/main" val="10016"/>
+                  </a:ext>
+                </a:extLst>
               </a:tr>
             </a:tbl>
           </a:graphicData>
